--- a/PPT/week3.pptx
+++ b/PPT/week3.pptx
@@ -2004,29 +2004,7 @@
                 <a:ea typeface="Arial" charset="0"/>
                 <a:cs typeface="Arial" charset="0"/>
               </a:rPr>
-              <a:t>- Week </a:t>
-            </a:r>
-            <a:r>
-              <a:rPr lang="en-US" sz="3600" i="1" dirty="0" smtClean="0">
-                <a:solidFill>
-                  <a:srgbClr val="000000"/>
-                </a:solidFill>
-                <a:latin typeface="Arial Narrow" pitchFamily="34" charset="0"/>
-                <a:ea typeface="Arial" charset="0"/>
-                <a:cs typeface="Arial" charset="0"/>
-              </a:rPr>
-              <a:t>3 </a:t>
-            </a:r>
-            <a:r>
-              <a:rPr lang="en-US" sz="3600" i="1" dirty="0" smtClean="0">
-                <a:solidFill>
-                  <a:srgbClr val="000000"/>
-                </a:solidFill>
-                <a:latin typeface="Arial Narrow" pitchFamily="34" charset="0"/>
-                <a:ea typeface="Arial" charset="0"/>
-                <a:cs typeface="Arial" charset="0"/>
-              </a:rPr>
-              <a:t>-</a:t>
+              <a:t>- Week 3 -</a:t>
             </a:r>
             <a:endParaRPr lang="en-US" sz="3600" i="1" dirty="0">
               <a:solidFill>
@@ -2433,17 +2411,7 @@
                 <a:latin typeface="맑은 고딕" panose="020B0503020000020004" pitchFamily="50" charset="-127"/>
                 <a:ea typeface="맑은 고딕" panose="020B0503020000020004" pitchFamily="50" charset="-127"/>
               </a:rPr>
-              <a:t>1. </a:t>
-            </a:r>
-            <a:r>
-              <a:rPr lang="en-US" altLang="ko-KR" sz="2400" kern="0" dirty="0" smtClean="0">
-                <a:solidFill>
-                  <a:srgbClr val="000000"/>
-                </a:solidFill>
-                <a:latin typeface="맑은 고딕" panose="020B0503020000020004" pitchFamily="50" charset="-127"/>
-                <a:ea typeface="맑은 고딕" panose="020B0503020000020004" pitchFamily="50" charset="-127"/>
-              </a:rPr>
-              <a:t>21</a:t>
+              <a:t>1. 21</a:t>
             </a:r>
             <a:r>
               <a:rPr lang="ko-KR" altLang="en-US" sz="2400" kern="0" dirty="0" smtClean="0">
@@ -2455,13 +2423,6 @@
               </a:rPr>
               <a:t>세기의 자율주행 자동차</a:t>
             </a:r>
-            <a:endParaRPr lang="ko-KR" altLang="en-US" sz="2400" kern="0" dirty="0" smtClean="0">
-              <a:solidFill>
-                <a:srgbClr val="000000"/>
-              </a:solidFill>
-              <a:latin typeface="맑은 고딕" panose="020B0503020000020004" pitchFamily="50" charset="-127"/>
-              <a:ea typeface="맑은 고딕" panose="020B0503020000020004" pitchFamily="50" charset="-127"/>
-            </a:endParaRPr>
           </a:p>
         </p:txBody>
       </p:sp>
@@ -2525,13 +2486,6 @@
               </a:rPr>
               <a:t>예시</a:t>
             </a:r>
-            <a:endParaRPr lang="ko-KR" altLang="en-US" sz="2000" kern="0" dirty="0" smtClean="0">
-              <a:solidFill>
-                <a:srgbClr val="000000"/>
-              </a:solidFill>
-              <a:latin typeface="맑은 고딕" panose="020B0503020000020004" pitchFamily="50" charset="-127"/>
-              <a:ea typeface="맑은 고딕" panose="020B0503020000020004" pitchFamily="50" charset="-127"/>
-            </a:endParaRPr>
           </a:p>
         </p:txBody>
       </p:sp>
@@ -2605,13 +2559,6 @@
               </a:rPr>
               <a:t>초음파센서 다루기</a:t>
             </a:r>
-            <a:endParaRPr lang="ko-KR" altLang="en-US" sz="2000" kern="0" dirty="0" smtClean="0">
-              <a:solidFill>
-                <a:srgbClr val="000000"/>
-              </a:solidFill>
-              <a:latin typeface="맑은 고딕" panose="020B0503020000020004" pitchFamily="50" charset="-127"/>
-              <a:ea typeface="맑은 고딕" panose="020B0503020000020004" pitchFamily="50" charset="-127"/>
-            </a:endParaRPr>
           </a:p>
         </p:txBody>
       </p:sp>
@@ -2940,17 +2887,7 @@
                 <a:latin typeface="맑은 고딕" panose="020B0503020000020004" pitchFamily="50" charset="-127"/>
                 <a:ea typeface="맑은 고딕" panose="020B0503020000020004" pitchFamily="50" charset="-127"/>
               </a:rPr>
-              <a:t>저 </a:t>
-            </a:r>
-            <a:r>
-              <a:rPr lang="ko-KR" altLang="en-US" sz="2400" kern="0" dirty="0" smtClean="0">
-                <a:solidFill>
-                  <a:srgbClr val="000000"/>
-                </a:solidFill>
-                <a:latin typeface="맑은 고딕" panose="020B0503020000020004" pitchFamily="50" charset="-127"/>
-                <a:ea typeface="맑은 고딕" panose="020B0503020000020004" pitchFamily="50" charset="-127"/>
-              </a:rPr>
-              <a:t>제어</a:t>
+              <a:t>저 제어</a:t>
             </a:r>
             <a:endParaRPr lang="ko-KR" altLang="en-US" sz="2400" kern="0" dirty="0">
               <a:solidFill>
@@ -3349,15 +3286,15 @@
               <a:defRPr/>
             </a:pPr>
             <a:r>
-              <a:rPr lang="en-US" altLang="ko-KR" sz="2800" i="1" kern="0" dirty="0" smtClean="0">
+              <a:rPr lang="ko-KR" altLang="en-US" sz="2800" i="1" kern="0" dirty="0" err="1" smtClean="0">
                 <a:solidFill>
                   <a:schemeClr val="tx1"/>
                 </a:solidFill>
-                <a:latin typeface="Arial Narrow" pitchFamily="34" charset="0"/>
-                <a:ea typeface="+mj-ea"/>
+                <a:latin typeface="맑은 고딕" panose="020B0503020000020004" pitchFamily="50" charset="-127"/>
+                <a:ea typeface="맑은 고딕" panose="020B0503020000020004" pitchFamily="50" charset="-127"/>
                 <a:cs typeface="+mj-cs"/>
               </a:rPr>
-              <a:t>Template - Title</a:t>
+              <a:t>ㅁ</a:t>
             </a:r>
             <a:endParaRPr kumimoji="0" lang="ko-KR" altLang="en-US" sz="2800" i="1" u="none" strike="noStrike" kern="0" cap="none" spc="0" normalizeH="0" baseline="0" noProof="0" dirty="0">
               <a:ln>
@@ -3369,8 +3306,8 @@
               <a:effectLst/>
               <a:uLnTx/>
               <a:uFillTx/>
-              <a:latin typeface="Arial Narrow" pitchFamily="34" charset="0"/>
-              <a:ea typeface="+mj-ea"/>
+              <a:latin typeface="맑은 고딕" panose="020B0503020000020004" pitchFamily="50" charset="-127"/>
+              <a:ea typeface="맑은 고딕" panose="020B0503020000020004" pitchFamily="50" charset="-127"/>
               <a:cs typeface="+mj-cs"/>
             </a:endParaRPr>
           </a:p>

--- a/PPT/week3.pptx
+++ b/PPT/week3.pptx
@@ -4723,6 +4723,36 @@
           <a:chExt cx="0" cy="0"/>
         </a:xfrm>
       </p:grpSpPr>
+      <p:pic>
+        <p:nvPicPr>
+          <p:cNvPr id="2" name="그림 1"/>
+          <p:cNvPicPr>
+            <a:picLocks noChangeAspect="1"/>
+          </p:cNvPicPr>
+          <p:nvPr/>
+        </p:nvPicPr>
+        <p:blipFill>
+          <a:blip r:embed="rId2">
+            <a:extLst>
+              <a:ext uri="{28A0092B-C50C-407E-A947-70E740481C1C}">
+                <a14:useLocalDpi xmlns:a14="http://schemas.microsoft.com/office/drawing/2010/main" val="0"/>
+              </a:ext>
+            </a:extLst>
+          </a:blip>
+          <a:stretch>
+            <a:fillRect/>
+          </a:stretch>
+        </p:blipFill>
+        <p:spPr>
+          <a:xfrm>
+            <a:off x="198757" y="123979"/>
+            <a:ext cx="8741328" cy="6528440"/>
+          </a:xfrm>
+          <a:prstGeom prst="rect">
+            <a:avLst/>
+          </a:prstGeom>
+        </p:spPr>
+      </p:pic>
       <p:sp>
         <p:nvSpPr>
           <p:cNvPr id="5" name="Title 4"/>
@@ -4750,7 +4780,7 @@
               <a:defRPr/>
             </a:pPr>
             <a:r>
-              <a:rPr lang="ko-KR" altLang="en-US" sz="2800" i="1" kern="0" dirty="0" smtClean="0">
+              <a:rPr lang="ko-KR" altLang="en-US" sz="2800" i="1" kern="0" dirty="0" err="1" smtClean="0">
                 <a:solidFill>
                   <a:schemeClr val="tx1"/>
                 </a:solidFill>
@@ -4758,7 +4788,51 @@
                 <a:ea typeface="맑은 고딕" panose="020B0503020000020004" pitchFamily="50" charset="-127"/>
                 <a:cs typeface="+mj-cs"/>
               </a:rPr>
-              <a:t>부저 센서 회로</a:t>
+              <a:t>부저</a:t>
+            </a:r>
+            <a:r>
+              <a:rPr lang="ko-KR" altLang="en-US" sz="2800" i="1" kern="0" dirty="0" smtClean="0">
+                <a:solidFill>
+                  <a:schemeClr val="tx1"/>
+                </a:solidFill>
+                <a:latin typeface="맑은 고딕" panose="020B0503020000020004" pitchFamily="50" charset="-127"/>
+                <a:ea typeface="맑은 고딕" panose="020B0503020000020004" pitchFamily="50" charset="-127"/>
+                <a:cs typeface="+mj-cs"/>
+              </a:rPr>
+              <a:t> </a:t>
+            </a:r>
+            <a:r>
+              <a:rPr lang="en-US" altLang="ko-KR" sz="2800" i="1" kern="0" dirty="0" smtClean="0">
+                <a:solidFill>
+                  <a:schemeClr val="tx1"/>
+                </a:solidFill>
+                <a:latin typeface="맑은 고딕" panose="020B0503020000020004" pitchFamily="50" charset="-127"/>
+                <a:ea typeface="맑은 고딕" panose="020B0503020000020004" pitchFamily="50" charset="-127"/>
+                <a:cs typeface="+mj-cs"/>
+              </a:rPr>
+              <a:t>+ </a:t>
+            </a:r>
+            <a:r>
+              <a:rPr lang="ko-KR" altLang="en-US" sz="2800" i="1" kern="0" dirty="0" smtClean="0">
+                <a:solidFill>
+                  <a:schemeClr val="tx1"/>
+                </a:solidFill>
+                <a:latin typeface="맑은 고딕" panose="020B0503020000020004" pitchFamily="50" charset="-127"/>
+                <a:ea typeface="맑은 고딕" panose="020B0503020000020004" pitchFamily="50" charset="-127"/>
+                <a:cs typeface="+mj-cs"/>
+              </a:rPr>
+              <a:t>초음파 센서 </a:t>
+            </a:r>
+            <a:r>
+              <a:rPr lang="ko-KR" altLang="en-US" sz="2800" i="1" kern="0" dirty="0" smtClean="0">
+                <a:solidFill>
+                  <a:schemeClr val="tx1"/>
+                </a:solidFill>
+                <a:latin typeface="맑은 고딕" panose="020B0503020000020004" pitchFamily="50" charset="-127"/>
+                <a:ea typeface="맑은 고딕" panose="020B0503020000020004" pitchFamily="50" charset="-127"/>
+                <a:cs typeface="+mj-cs"/>
+              </a:rPr>
+              <a:t>회로</a:t>
             </a:r>
             <a:endParaRPr kumimoji="0" lang="ko-KR" altLang="en-US" sz="2800" i="1" u="none" strike="noStrike" kern="0" cap="none" spc="0" normalizeH="0" baseline="0" noProof="0" dirty="0">
               <a:ln>
@@ -4871,6 +4945,171 @@
               <a:t>SH Park &lt;pajoheji0909@snu.ac.kr&gt;</a:t>
             </a:r>
             <a:endParaRPr lang="en-US"/>
+          </a:p>
+        </p:txBody>
+      </p:sp>
+      <p:sp>
+        <p:nvSpPr>
+          <p:cNvPr id="7" name="TextBox 6"/>
+          <p:cNvSpPr txBox="1"/>
+          <p:nvPr/>
+        </p:nvSpPr>
+        <p:spPr bwMode="auto">
+          <a:xfrm>
+            <a:off x="4460681" y="558320"/>
+            <a:ext cx="4683319" cy="634020"/>
+          </a:xfrm>
+          <a:prstGeom prst="rect">
+            <a:avLst/>
+          </a:prstGeom>
+          <a:noFill/>
+          <a:ln w="9525">
+            <a:noFill/>
+            <a:miter lim="800000"/>
+            <a:headEnd/>
+            <a:tailEnd/>
+          </a:ln>
+        </p:spPr>
+        <p:txBody>
+          <a:bodyPr vert="horz" wrap="square" lIns="91440" tIns="45720" rIns="91440" bIns="45720" numCol="1" rtlCol="0" anchor="t" anchorCtr="0" compatLnSpc="1">
+            <a:prstTxWarp prst="textNoShape">
+              <a:avLst/>
+            </a:prstTxWarp>
+            <a:spAutoFit/>
+          </a:bodyPr>
+          <a:lstStyle/>
+          <a:p>
+            <a:pPr marL="0" algn="r">
+              <a:spcBef>
+                <a:spcPct val="20000"/>
+              </a:spcBef>
+              <a:buClr>
+                <a:srgbClr val="9999CC"/>
+              </a:buClr>
+              <a:buSzPct val="80000"/>
+            </a:pPr>
+            <a:r>
+              <a:rPr lang="ko-KR" altLang="en-US" sz="1600" kern="0" dirty="0" err="1" smtClean="0">
+                <a:solidFill>
+                  <a:srgbClr val="FF00FF"/>
+                </a:solidFill>
+                <a:latin typeface="Arial Narrow" pitchFamily="34" charset="0"/>
+              </a:rPr>
+              <a:t>부저는</a:t>
+            </a:r>
+            <a:r>
+              <a:rPr lang="ko-KR" altLang="en-US" sz="1600" kern="0" dirty="0" smtClean="0">
+                <a:solidFill>
+                  <a:srgbClr val="FF00FF"/>
+                </a:solidFill>
+                <a:latin typeface="Arial Narrow" pitchFamily="34" charset="0"/>
+              </a:rPr>
+              <a:t> </a:t>
+            </a:r>
+            <a:r>
+              <a:rPr lang="en-US" altLang="ko-KR" sz="1600" kern="0" dirty="0" smtClean="0">
+                <a:solidFill>
+                  <a:srgbClr val="FF00FF"/>
+                </a:solidFill>
+                <a:latin typeface="Arial Narrow" pitchFamily="34" charset="0"/>
+              </a:rPr>
+              <a:t>3.3 V  </a:t>
+            </a:r>
+            <a:r>
+              <a:rPr lang="ko-KR" altLang="en-US" sz="1600" kern="0" dirty="0" smtClean="0">
+                <a:solidFill>
+                  <a:srgbClr val="FF00FF"/>
+                </a:solidFill>
+                <a:latin typeface="Arial Narrow" pitchFamily="34" charset="0"/>
+              </a:rPr>
+              <a:t>혹은 </a:t>
+            </a:r>
+            <a:r>
+              <a:rPr lang="en-US" altLang="ko-KR" sz="1600" kern="0" dirty="0" smtClean="0">
+                <a:solidFill>
+                  <a:srgbClr val="FF00FF"/>
+                </a:solidFill>
+                <a:latin typeface="Arial Narrow" pitchFamily="34" charset="0"/>
+              </a:rPr>
+              <a:t>5 V</a:t>
+            </a:r>
+            <a:r>
+              <a:rPr lang="ko-KR" altLang="en-US" sz="1600" kern="0" dirty="0" smtClean="0">
+                <a:solidFill>
+                  <a:srgbClr val="FF00FF"/>
+                </a:solidFill>
+                <a:latin typeface="Arial Narrow" pitchFamily="34" charset="0"/>
+              </a:rPr>
+              <a:t>에 </a:t>
+            </a:r>
+            <a:r>
+              <a:rPr lang="en-US" altLang="ko-KR" sz="1600" kern="0" dirty="0" smtClean="0">
+                <a:solidFill>
+                  <a:srgbClr val="FF00FF"/>
+                </a:solidFill>
+                <a:latin typeface="Arial Narrow" pitchFamily="34" charset="0"/>
+              </a:rPr>
+              <a:t>VCC </a:t>
+            </a:r>
+            <a:r>
+              <a:rPr lang="ko-KR" altLang="en-US" sz="1600" kern="0" dirty="0" smtClean="0">
+                <a:solidFill>
+                  <a:srgbClr val="FF00FF"/>
+                </a:solidFill>
+                <a:latin typeface="Arial Narrow" pitchFamily="34" charset="0"/>
+              </a:rPr>
+              <a:t>연결</a:t>
+            </a:r>
+            <a:endParaRPr lang="en-US" altLang="ko-KR" sz="1600" kern="0" dirty="0" smtClean="0">
+              <a:solidFill>
+                <a:srgbClr val="FF00FF"/>
+              </a:solidFill>
+              <a:latin typeface="Arial Narrow" pitchFamily="34" charset="0"/>
+            </a:endParaRPr>
+          </a:p>
+          <a:p>
+            <a:pPr marL="0" algn="r">
+              <a:spcBef>
+                <a:spcPct val="20000"/>
+              </a:spcBef>
+              <a:buClr>
+                <a:srgbClr val="9999CC"/>
+              </a:buClr>
+              <a:buSzPct val="80000"/>
+            </a:pPr>
+            <a:r>
+              <a:rPr lang="en-US" altLang="ko-KR" sz="1600" kern="0" dirty="0" smtClean="0">
+                <a:solidFill>
+                  <a:srgbClr val="FF00FF"/>
+                </a:solidFill>
+                <a:latin typeface="Arial Narrow" pitchFamily="34" charset="0"/>
+              </a:rPr>
+              <a:t>(5 V </a:t>
+            </a:r>
+            <a:r>
+              <a:rPr lang="ko-KR" altLang="en-US" sz="1600" kern="0" dirty="0" smtClean="0">
+                <a:solidFill>
+                  <a:srgbClr val="FF00FF"/>
+                </a:solidFill>
+                <a:latin typeface="Arial Narrow" pitchFamily="34" charset="0"/>
+              </a:rPr>
+              <a:t>권장</a:t>
+            </a:r>
+            <a:r>
+              <a:rPr lang="en-US" altLang="ko-KR" sz="1600" kern="0" dirty="0" smtClean="0">
+                <a:solidFill>
+                  <a:srgbClr val="FF00FF"/>
+                </a:solidFill>
+                <a:latin typeface="Arial Narrow" pitchFamily="34" charset="0"/>
+              </a:rPr>
+              <a:t>)</a:t>
+            </a:r>
+            <a:endParaRPr lang="ko-KR" altLang="en-US" sz="1600" kern="0" dirty="0" smtClean="0">
+              <a:solidFill>
+                <a:srgbClr val="FF00FF"/>
+              </a:solidFill>
+              <a:latin typeface="Arial Narrow" pitchFamily="34" charset="0"/>
+            </a:endParaRPr>
           </a:p>
         </p:txBody>
       </p:sp>
@@ -6743,7 +6982,7 @@
         <p:spPr bwMode="auto">
           <a:xfrm>
             <a:off x="0" y="4559020"/>
-            <a:ext cx="9054624" cy="941796"/>
+            <a:ext cx="9054624" cy="1274195"/>
           </a:xfrm>
           <a:prstGeom prst="rect">
             <a:avLst/>
@@ -7063,6 +7302,63 @@
                 <a:ea typeface="굴림" pitchFamily="50" charset="-127"/>
               </a:rPr>
               <a:t>굳이 안 해도 되긴 함</a:t>
+            </a:r>
+            <a:r>
+              <a:rPr lang="en-US" altLang="ko-KR" sz="1800" b="0" kern="0" dirty="0" smtClean="0">
+                <a:latin typeface="Arial Narrow"/>
+                <a:ea typeface="굴림" pitchFamily="50" charset="-127"/>
+              </a:rPr>
+              <a:t>)</a:t>
+            </a:r>
+          </a:p>
+          <a:p>
+            <a:pPr marL="341313" lvl="1" indent="-341313" algn="just" eaLnBrk="1" hangingPunct="1">
+              <a:buClr>
+                <a:srgbClr val="9999CC"/>
+              </a:buClr>
+              <a:defRPr/>
+            </a:pPr>
+            <a:r>
+              <a:rPr lang="en-US" altLang="ko-KR" sz="1800" b="0" kern="0" dirty="0" smtClean="0">
+                <a:latin typeface="Arial Narrow"/>
+                <a:ea typeface="굴림" pitchFamily="50" charset="-127"/>
+              </a:rPr>
+              <a:t>LED </a:t>
+            </a:r>
+            <a:r>
+              <a:rPr lang="ko-KR" altLang="en-US" sz="1800" b="0" kern="0" dirty="0" smtClean="0">
+                <a:latin typeface="Arial Narrow"/>
+                <a:ea typeface="굴림" pitchFamily="50" charset="-127"/>
+              </a:rPr>
+              <a:t>연결할 때</a:t>
+            </a:r>
+            <a:r>
+              <a:rPr lang="en-US" altLang="ko-KR" sz="1800" b="0" kern="0" dirty="0" smtClean="0">
+                <a:latin typeface="Arial Narrow"/>
+                <a:ea typeface="굴림" pitchFamily="50" charset="-127"/>
+              </a:rPr>
+              <a:t>, </a:t>
+            </a:r>
+            <a:r>
+              <a:rPr lang="ko-KR" altLang="en-US" sz="1800" b="0" kern="0" dirty="0" smtClean="0">
+                <a:latin typeface="Arial Narrow"/>
+                <a:ea typeface="굴림" pitchFamily="50" charset="-127"/>
+              </a:rPr>
+              <a:t>꼭 저항을 달아야 합니다</a:t>
+            </a:r>
+            <a:r>
+              <a:rPr lang="en-US" altLang="ko-KR" sz="1800" b="0" kern="0" dirty="0" smtClean="0">
+                <a:latin typeface="Arial Narrow"/>
+                <a:ea typeface="굴림" pitchFamily="50" charset="-127"/>
+              </a:rPr>
+              <a:t>!!! (</a:t>
+            </a:r>
+            <a:r>
+              <a:rPr lang="ko-KR" altLang="en-US" sz="1800" b="0" kern="0" dirty="0" smtClean="0">
+                <a:latin typeface="Arial Narrow"/>
+                <a:ea typeface="굴림" pitchFamily="50" charset="-127"/>
+              </a:rPr>
+              <a:t>안 그러면 터짐</a:t>
             </a:r>
             <a:r>
               <a:rPr lang="en-US" altLang="ko-KR" sz="1800" b="0" kern="0" dirty="0" smtClean="0">
@@ -7193,6 +7489,84 @@
           <a:xfrm>
             <a:off x="91693" y="1084318"/>
             <a:ext cx="2926533" cy="2926533"/>
+          </a:xfrm>
+          <a:prstGeom prst="rect">
+            <a:avLst/>
+          </a:prstGeom>
+          <a:noFill/>
+          <a:extLst>
+            <a:ext uri="{909E8E84-426E-40DD-AFC4-6F175D3DCCD1}">
+              <a14:hiddenFill xmlns:a14="http://schemas.microsoft.com/office/drawing/2010/main">
+                <a:solidFill>
+                  <a:srgbClr val="FFFFFF"/>
+                </a:solidFill>
+              </a14:hiddenFill>
+            </a:ext>
+          </a:extLst>
+        </p:spPr>
+      </p:pic>
+      <p:pic>
+        <p:nvPicPr>
+          <p:cNvPr id="4" name="Picture 2" descr="File:+- of LED 2.svg - Wikimedia Commons"/>
+          <p:cNvPicPr>
+            <a:picLocks noChangeAspect="1" noChangeArrowheads="1"/>
+          </p:cNvPicPr>
+          <p:nvPr/>
+        </p:nvPicPr>
+        <p:blipFill rotWithShape="1">
+          <a:blip r:embed="rId5">
+            <a:extLst>
+              <a:ext uri="{28A0092B-C50C-407E-A947-70E740481C1C}">
+                <a14:useLocalDpi xmlns:a14="http://schemas.microsoft.com/office/drawing/2010/main" val="0"/>
+              </a:ext>
+            </a:extLst>
+          </a:blip>
+          <a:srcRect t="27568" b="19302"/>
+          <a:stretch/>
+        </p:blipFill>
+        <p:spPr bwMode="auto">
+          <a:xfrm>
+            <a:off x="7298108" y="4405547"/>
+            <a:ext cx="2006200" cy="2339948"/>
+          </a:xfrm>
+          <a:prstGeom prst="rect">
+            <a:avLst/>
+          </a:prstGeom>
+          <a:noFill/>
+          <a:extLst>
+            <a:ext uri="{909E8E84-426E-40DD-AFC4-6F175D3DCCD1}">
+              <a14:hiddenFill xmlns:a14="http://schemas.microsoft.com/office/drawing/2010/main">
+                <a:solidFill>
+                  <a:srgbClr val="FFFFFF"/>
+                </a:solidFill>
+              </a14:hiddenFill>
+            </a:ext>
+          </a:extLst>
+        </p:spPr>
+      </p:pic>
+      <p:pic>
+        <p:nvPicPr>
+          <p:cNvPr id="12" name="Picture 2" descr="File:+- of LED 2.svg - Wikimedia Commons"/>
+          <p:cNvPicPr>
+            <a:picLocks noChangeAspect="1" noChangeArrowheads="1"/>
+          </p:cNvPicPr>
+          <p:nvPr/>
+        </p:nvPicPr>
+        <p:blipFill rotWithShape="1">
+          <a:blip r:embed="rId5">
+            <a:extLst>
+              <a:ext uri="{28A0092B-C50C-407E-A947-70E740481C1C}">
+                <a14:useLocalDpi xmlns:a14="http://schemas.microsoft.com/office/drawing/2010/main" val="0"/>
+              </a:ext>
+            </a:extLst>
+          </a:blip>
+          <a:srcRect t="1" b="71644"/>
+          <a:stretch/>
+        </p:blipFill>
+        <p:spPr bwMode="auto">
+          <a:xfrm>
+            <a:off x="5731968" y="5515615"/>
+            <a:ext cx="2006200" cy="1248824"/>
           </a:xfrm>
           <a:prstGeom prst="rect">
             <a:avLst/>
@@ -20777,45 +21151,6 @@
       </p:sp>
       <p:sp>
         <p:nvSpPr>
-          <p:cNvPr id="7" name="Rectangle 20"/>
-          <p:cNvSpPr/>
-          <p:nvPr/>
-        </p:nvSpPr>
-        <p:spPr>
-          <a:xfrm>
-            <a:off x="5923607" y="3108917"/>
-            <a:ext cx="3220393" cy="253916"/>
-          </a:xfrm>
-          <a:prstGeom prst="rect">
-            <a:avLst/>
-          </a:prstGeom>
-        </p:spPr>
-        <p:txBody>
-          <a:bodyPr wrap="square">
-            <a:spAutoFit/>
-          </a:bodyPr>
-          <a:lstStyle/>
-          <a:p>
-            <a:r>
-              <a:rPr lang="en-US" altLang="ko-KR" sz="1050" dirty="0" smtClean="0">
-                <a:solidFill>
-                  <a:schemeClr val="tx1"/>
-                </a:solidFill>
-                <a:latin typeface="Arial Narrow" panose="020B0606020202030204" pitchFamily="34" charset="0"/>
-              </a:rPr>
-              <a:t>Fig. Caption Here</a:t>
-            </a:r>
-            <a:endParaRPr lang="en-US" altLang="ko-KR" sz="1050" dirty="0">
-              <a:solidFill>
-                <a:schemeClr val="tx1"/>
-              </a:solidFill>
-              <a:latin typeface="Arial Narrow" panose="020B0606020202030204" pitchFamily="34" charset="0"/>
-            </a:endParaRPr>
-          </a:p>
-        </p:txBody>
-      </p:sp>
-      <p:sp>
-        <p:nvSpPr>
           <p:cNvPr id="11" name="Date Placeholder 3"/>
           <p:cNvSpPr>
             <a:spLocks noGrp="1"/>
@@ -20877,7 +21212,7 @@
         </p:nvGrpSpPr>
         <p:grpSpPr>
           <a:xfrm>
-            <a:off x="-2579" y="629582"/>
+            <a:off x="0" y="629582"/>
             <a:ext cx="9014672" cy="3727550"/>
             <a:chOff x="-2579" y="629582"/>
             <a:chExt cx="9014672" cy="3727550"/>
@@ -23363,6 +23698,36 @@
           </a:p>
         </p:txBody>
       </p:sp>
+      <p:pic>
+        <p:nvPicPr>
+          <p:cNvPr id="2" name="그림 1"/>
+          <p:cNvPicPr>
+            <a:picLocks noChangeAspect="1"/>
+          </p:cNvPicPr>
+          <p:nvPr/>
+        </p:nvPicPr>
+        <p:blipFill>
+          <a:blip r:embed="rId2">
+            <a:extLst>
+              <a:ext uri="{28A0092B-C50C-407E-A947-70E740481C1C}">
+                <a14:useLocalDpi xmlns:a14="http://schemas.microsoft.com/office/drawing/2010/main" val="0"/>
+              </a:ext>
+            </a:extLst>
+          </a:blip>
+          <a:stretch>
+            <a:fillRect/>
+          </a:stretch>
+        </p:blipFill>
+        <p:spPr>
+          <a:xfrm>
+            <a:off x="0" y="629582"/>
+            <a:ext cx="9144000" cy="5534293"/>
+          </a:xfrm>
+          <a:prstGeom prst="rect">
+            <a:avLst/>
+          </a:prstGeom>
+        </p:spPr>
+      </p:pic>
     </p:spTree>
     <p:extLst>
       <p:ext uri="{BB962C8B-B14F-4D97-AF65-F5344CB8AC3E}">
